--- a/Sunu1.pptx
+++ b/Sunu1.pptx
@@ -6,6 +6,8 @@
   </p:sldMasterIdLst>
   <p:sldIdLst>
     <p:sldId id="256" r:id="rId2"/>
+    <p:sldId id="257" r:id="rId3"/>
+    <p:sldId id="258" r:id="rId4"/>
   </p:sldIdLst>
   <p:sldSz cx="12192000" cy="6858000"/>
   <p:notesSz cx="6858000" cy="9144000"/>
@@ -104,7 +106,24 @@
       </a:defRPr>
     </a:lvl9pPr>
   </p:defaultTextStyle>
+  <p:extLst>
+    <p:ext uri="{EFAFB233-063F-42B5-8137-9DF3F51BA10A}">
+      <p15:sldGuideLst xmlns:p15="http://schemas.microsoft.com/office/powerpoint/2012/main"/>
+    </p:ext>
+  </p:extLst>
 </p:presentation>
+</file>
+
+<file path=ppt/commentAuthors.xml><?xml version="1.0" encoding="utf-8"?>
+<p:cmAuthorLst xmlns:a="http://schemas.openxmlformats.org/drawingml/2006/main" xmlns:r="http://schemas.openxmlformats.org/officeDocument/2006/relationships" xmlns:p="http://schemas.openxmlformats.org/presentationml/2006/main">
+  <p:cmAuthor id="1" name="LAB2-OGR07" initials="L" lastIdx="1" clrIdx="0">
+    <p:extLst>
+      <p:ext uri="{19B8F6BF-5375-455C-9EA6-DF929625EA0E}">
+        <p15:presenceInfo xmlns:p15="http://schemas.microsoft.com/office/powerpoint/2012/main" userId="LAB2-OGR07" providerId="None"/>
+      </p:ext>
+    </p:extLst>
+  </p:cmAuthor>
+</p:cmAuthorLst>
 </file>
 
 <file path=ppt/slideLayouts/slideLayout1.xml><?xml version="1.0" encoding="utf-8"?>
@@ -2964,6 +2983,82 @@
           <a:chExt cx="0" cy="0"/>
         </a:xfrm>
       </p:grpSpPr>
+      <p:sp>
+        <p:nvSpPr>
+          <p:cNvPr id="7" name="Dikdörtgen 6"/>
+          <p:cNvSpPr/>
+          <p:nvPr/>
+        </p:nvSpPr>
+        <p:spPr>
+          <a:xfrm>
+            <a:off x="543451" y="1661353"/>
+            <a:ext cx="6728957" cy="1754326"/>
+          </a:xfrm>
+          <a:prstGeom prst="rect">
+            <a:avLst/>
+          </a:prstGeom>
+          <a:solidFill>
+            <a:schemeClr val="bg1"/>
+          </a:solidFill>
+        </p:spPr>
+        <p:txBody>
+          <a:bodyPr wrap="none" lIns="91440" tIns="45720" rIns="91440" bIns="45720">
+            <a:spAutoFit/>
+          </a:bodyPr>
+          <a:lstStyle/>
+          <a:p>
+            <a:pPr algn="just"/>
+            <a:r>
+              <a:rPr lang="tr-TR" sz="5400" b="0" cap="none" spc="0" dirty="0" smtClean="0">
+                <a:ln w="0"/>
+                <a:solidFill>
+                  <a:srgbClr val="6C6277"/>
+                </a:solidFill>
+                <a:effectLst>
+                  <a:outerShdw blurRad="38100" dist="38100" dir="2700000" algn="tl">
+                    <a:srgbClr val="000000">
+                      <a:alpha val="43137"/>
+                    </a:srgbClr>
+                  </a:outerShdw>
+                </a:effectLst>
+              </a:rPr>
+              <a:t>İslam’ın Anlaşılmasında</a:t>
+            </a:r>
+          </a:p>
+          <a:p>
+            <a:pPr algn="just"/>
+            <a:r>
+              <a:rPr lang="tr-TR" sz="5400" dirty="0" smtClean="0">
+                <a:ln w="0"/>
+                <a:solidFill>
+                  <a:srgbClr val="6C6277"/>
+                </a:solidFill>
+                <a:effectLst>
+                  <a:outerShdw blurRad="38100" dist="38100" dir="2700000" algn="tl">
+                    <a:srgbClr val="000000">
+                      <a:alpha val="43137"/>
+                    </a:srgbClr>
+                  </a:outerShdw>
+                </a:effectLst>
+              </a:rPr>
+              <a:t>Sünnetin Önemi</a:t>
+            </a:r>
+            <a:endParaRPr lang="tr-TR" sz="5400" b="0" cap="none" spc="0" dirty="0">
+              <a:ln w="0"/>
+              <a:solidFill>
+                <a:srgbClr val="6C6277"/>
+              </a:solidFill>
+              <a:effectLst>
+                <a:outerShdw blurRad="38100" dist="38100" dir="2700000" algn="tl">
+                  <a:srgbClr val="000000">
+                    <a:alpha val="43137"/>
+                  </a:srgbClr>
+                </a:outerShdw>
+              </a:effectLst>
+            </a:endParaRPr>
+          </a:p>
+        </p:txBody>
+      </p:sp>
       <p:pic>
         <p:nvPicPr>
           <p:cNvPr id="4" name="Resim 3"/>
@@ -2994,82 +3089,6 @@
           </a:prstGeom>
         </p:spPr>
       </p:pic>
-      <p:sp>
-        <p:nvSpPr>
-          <p:cNvPr id="7" name="Dikdörtgen 6"/>
-          <p:cNvSpPr/>
-          <p:nvPr/>
-        </p:nvSpPr>
-        <p:spPr>
-          <a:xfrm>
-            <a:off x="271725" y="944380"/>
-            <a:ext cx="6728957" cy="1754326"/>
-          </a:xfrm>
-          <a:prstGeom prst="rect">
-            <a:avLst/>
-          </a:prstGeom>
-          <a:solidFill>
-            <a:schemeClr val="bg1"/>
-          </a:solidFill>
-        </p:spPr>
-        <p:txBody>
-          <a:bodyPr wrap="none" lIns="91440" tIns="45720" rIns="91440" bIns="45720">
-            <a:spAutoFit/>
-          </a:bodyPr>
-          <a:lstStyle/>
-          <a:p>
-            <a:pPr algn="just"/>
-            <a:r>
-              <a:rPr lang="tr-TR" sz="5400" b="0" cap="none" spc="0" dirty="0" smtClean="0">
-                <a:ln w="0"/>
-                <a:solidFill>
-                  <a:srgbClr val="6C6277"/>
-                </a:solidFill>
-                <a:effectLst>
-                  <a:outerShdw blurRad="38100" dist="38100" dir="2700000" algn="tl">
-                    <a:srgbClr val="000000">
-                      <a:alpha val="43137"/>
-                    </a:srgbClr>
-                  </a:outerShdw>
-                </a:effectLst>
-              </a:rPr>
-              <a:t>İslam’ın Anlaşılmasında</a:t>
-            </a:r>
-          </a:p>
-          <a:p>
-            <a:pPr algn="just"/>
-            <a:r>
-              <a:rPr lang="tr-TR" sz="5400" dirty="0" smtClean="0">
-                <a:ln w="0"/>
-                <a:solidFill>
-                  <a:srgbClr val="6C6277"/>
-                </a:solidFill>
-                <a:effectLst>
-                  <a:outerShdw blurRad="38100" dist="38100" dir="2700000" algn="tl">
-                    <a:srgbClr val="000000">
-                      <a:alpha val="43137"/>
-                    </a:srgbClr>
-                  </a:outerShdw>
-                </a:effectLst>
-              </a:rPr>
-              <a:t>Sünnetin Önemi</a:t>
-            </a:r>
-            <a:endParaRPr lang="tr-TR" sz="5400" b="0" cap="none" spc="0" dirty="0">
-              <a:ln w="0"/>
-              <a:solidFill>
-                <a:srgbClr val="6C6277"/>
-              </a:solidFill>
-              <a:effectLst>
-                <a:outerShdw blurRad="38100" dist="38100" dir="2700000" algn="tl">
-                  <a:srgbClr val="000000">
-                    <a:alpha val="43137"/>
-                  </a:srgbClr>
-                </a:outerShdw>
-              </a:effectLst>
-            </a:endParaRPr>
-          </a:p>
-        </p:txBody>
-      </p:sp>
       <p:cxnSp>
         <p:nvCxnSpPr>
           <p:cNvPr id="9" name="Düz Bağlayıcı 8"/>
@@ -3115,13 +3134,13 @@
   <p:clrMapOvr>
     <a:masterClrMapping/>
   </p:clrMapOvr>
-  <mc:AlternateContent xmlns:mc="http://schemas.openxmlformats.org/markup-compatibility/2006">
-    <mc:Choice xmlns:p14="http://schemas.microsoft.com/office/powerpoint/2010/main" Requires="p14">
+  <mc:AlternateContent xmlns:mc="http://schemas.openxmlformats.org/markup-compatibility/2006" xmlns:p14="http://schemas.microsoft.com/office/powerpoint/2010/main">
+    <mc:Choice Requires="p14">
       <p:transition spd="slow" p14:dur="1500">
         <p:split orient="vert"/>
       </p:transition>
     </mc:Choice>
-    <mc:Fallback>
+    <mc:Fallback xmlns="">
       <p:transition spd="slow">
         <p:split orient="vert"/>
       </p:transition>
@@ -3260,6 +3279,388 @@
         </p:cTn>
       </p:par>
     </p:tnLst>
+  </p:timing>
+</p:sld>
+</file>
+
+<file path=ppt/slides/slide2.xml><?xml version="1.0" encoding="utf-8"?>
+<p:sld xmlns:a="http://schemas.openxmlformats.org/drawingml/2006/main" xmlns:r="http://schemas.openxmlformats.org/officeDocument/2006/relationships" xmlns:p="http://schemas.openxmlformats.org/presentationml/2006/main">
+  <p:cSld>
+    <p:spTree>
+      <p:nvGrpSpPr>
+        <p:cNvPr id="1" name=""/>
+        <p:cNvGrpSpPr/>
+        <p:nvPr/>
+      </p:nvGrpSpPr>
+      <p:grpSpPr>
+        <a:xfrm>
+          <a:off x="0" y="0"/>
+          <a:ext cx="0" cy="0"/>
+          <a:chOff x="0" y="0"/>
+          <a:chExt cx="0" cy="0"/>
+        </a:xfrm>
+      </p:grpSpPr>
+      <p:pic>
+        <p:nvPicPr>
+          <p:cNvPr id="5" name="Resim 4"/>
+          <p:cNvPicPr>
+            <a:picLocks noChangeAspect="1"/>
+          </p:cNvPicPr>
+          <p:nvPr/>
+        </p:nvPicPr>
+        <p:blipFill>
+          <a:blip r:embed="rId2">
+            <a:extLst>
+              <a:ext uri="{28A0092B-C50C-407E-A947-70E740481C1C}">
+                <a14:useLocalDpi xmlns:a14="http://schemas.microsoft.com/office/drawing/2010/main" val="0"/>
+              </a:ext>
+            </a:extLst>
+          </a:blip>
+          <a:stretch>
+            <a:fillRect/>
+          </a:stretch>
+        </p:blipFill>
+        <p:spPr>
+          <a:xfrm>
+            <a:off x="0" y="0"/>
+            <a:ext cx="12192000" cy="6858000"/>
+          </a:xfrm>
+          <a:prstGeom prst="rect">
+            <a:avLst/>
+          </a:prstGeom>
+        </p:spPr>
+      </p:pic>
+      <p:sp>
+        <p:nvSpPr>
+          <p:cNvPr id="6" name="Dikdörtgen 5"/>
+          <p:cNvSpPr/>
+          <p:nvPr/>
+        </p:nvSpPr>
+        <p:spPr>
+          <a:xfrm>
+            <a:off x="4303987" y="1325212"/>
+            <a:ext cx="4619296" cy="1569660"/>
+          </a:xfrm>
+          <a:prstGeom prst="rect">
+            <a:avLst/>
+          </a:prstGeom>
+          <a:noFill/>
+        </p:spPr>
+        <p:txBody>
+          <a:bodyPr wrap="square" lIns="91440" tIns="45720" rIns="91440" bIns="45720" anchor="t">
+            <a:spAutoFit/>
+          </a:bodyPr>
+          <a:lstStyle/>
+          <a:p>
+            <a:r>
+              <a:rPr lang="tr-TR" sz="9600" b="1" dirty="0" smtClean="0">
+                <a:ln w="0"/>
+                <a:effectLst>
+                  <a:outerShdw blurRad="38100" dist="19050" dir="2700000" algn="tl" rotWithShape="0">
+                    <a:schemeClr val="dk1">
+                      <a:alpha val="40000"/>
+                    </a:schemeClr>
+                  </a:outerShdw>
+                  <a:reflection blurRad="6350" stA="55000" endA="300" endPos="45500" dir="5400000" sy="-100000" algn="bl" rotWithShape="0"/>
+                </a:effectLst>
+              </a:rPr>
+              <a:t>Sünnet</a:t>
+            </a:r>
+            <a:endParaRPr lang="tr-TR" sz="9600" b="1" cap="none" spc="0" dirty="0">
+              <a:ln w="0"/>
+              <a:solidFill>
+                <a:schemeClr val="tx1"/>
+              </a:solidFill>
+              <a:effectLst>
+                <a:outerShdw blurRad="38100" dist="19050" dir="2700000" algn="tl" rotWithShape="0">
+                  <a:schemeClr val="dk1">
+                    <a:alpha val="40000"/>
+                  </a:schemeClr>
+                </a:outerShdw>
+                <a:reflection blurRad="6350" stA="55000" endA="300" endPos="45500" dir="5400000" sy="-100000" algn="bl" rotWithShape="0"/>
+              </a:effectLst>
+            </a:endParaRPr>
+          </a:p>
+        </p:txBody>
+      </p:sp>
+    </p:spTree>
+    <p:extLst>
+      <p:ext uri="{BB962C8B-B14F-4D97-AF65-F5344CB8AC3E}">
+        <p14:creationId xmlns:p14="http://schemas.microsoft.com/office/powerpoint/2010/main" val="3628107215"/>
+      </p:ext>
+    </p:extLst>
+  </p:cSld>
+  <p:clrMapOvr>
+    <a:masterClrMapping/>
+  </p:clrMapOvr>
+  <p:timing>
+    <p:tnLst>
+      <p:par>
+        <p:cTn id="1" dur="indefinite" restart="never" nodeType="tmRoot"/>
+      </p:par>
+    </p:tnLst>
+  </p:timing>
+</p:sld>
+</file>
+
+<file path=ppt/slides/slide3.xml><?xml version="1.0" encoding="utf-8"?>
+<p:sld xmlns:a="http://schemas.openxmlformats.org/drawingml/2006/main" xmlns:r="http://schemas.openxmlformats.org/officeDocument/2006/relationships" xmlns:p="http://schemas.openxmlformats.org/presentationml/2006/main">
+  <p:cSld>
+    <p:spTree>
+      <p:nvGrpSpPr>
+        <p:cNvPr id="1" name=""/>
+        <p:cNvGrpSpPr/>
+        <p:nvPr/>
+      </p:nvGrpSpPr>
+      <p:grpSpPr>
+        <a:xfrm>
+          <a:off x="0" y="0"/>
+          <a:ext cx="0" cy="0"/>
+          <a:chOff x="0" y="0"/>
+          <a:chExt cx="0" cy="0"/>
+        </a:xfrm>
+      </p:grpSpPr>
+      <p:pic>
+        <p:nvPicPr>
+          <p:cNvPr id="2" name="Resim 1"/>
+          <p:cNvPicPr>
+            <a:picLocks noChangeAspect="1"/>
+          </p:cNvPicPr>
+          <p:nvPr/>
+        </p:nvPicPr>
+        <p:blipFill>
+          <a:blip r:embed="rId2" cstate="print">
+            <a:extLst>
+              <a:ext uri="{28A0092B-C50C-407E-A947-70E740481C1C}">
+                <a14:useLocalDpi xmlns:a14="http://schemas.microsoft.com/office/drawing/2010/main" val="0"/>
+              </a:ext>
+            </a:extLst>
+          </a:blip>
+          <a:stretch>
+            <a:fillRect/>
+          </a:stretch>
+        </p:blipFill>
+        <p:spPr bwMode="ltGray">
+          <a:xfrm>
+            <a:off x="-168165" y="546762"/>
+            <a:ext cx="12192000" cy="6858000"/>
+          </a:xfrm>
+          <a:prstGeom prst="rect">
+            <a:avLst/>
+          </a:prstGeom>
+          <a:ln>
+            <a:noFill/>
+          </a:ln>
+          <a:effectLst>
+            <a:softEdge rad="112500"/>
+          </a:effectLst>
+        </p:spPr>
+      </p:pic>
+      <p:sp>
+        <p:nvSpPr>
+          <p:cNvPr id="3" name="Yuvarlatılmış Çapraz Köşeli Dikdörtgen 2"/>
+          <p:cNvSpPr/>
+          <p:nvPr/>
+        </p:nvSpPr>
+        <p:spPr>
+          <a:xfrm>
+            <a:off x="851338" y="546762"/>
+            <a:ext cx="10089931" cy="5685872"/>
+          </a:xfrm>
+          <a:prstGeom prst="round2DiagRect">
+            <a:avLst/>
+          </a:prstGeom>
+          <a:ln/>
+        </p:spPr>
+        <p:style>
+          <a:lnRef idx="3">
+            <a:schemeClr val="lt1"/>
+          </a:lnRef>
+          <a:fillRef idx="1">
+            <a:schemeClr val="dk1"/>
+          </a:fillRef>
+          <a:effectRef idx="1">
+            <a:schemeClr val="dk1"/>
+          </a:effectRef>
+          <a:fontRef idx="minor">
+            <a:schemeClr val="lt1"/>
+          </a:fontRef>
+        </p:style>
+        <p:txBody>
+          <a:bodyPr rtlCol="0" anchor="ctr"/>
+          <a:lstStyle/>
+          <a:p>
+            <a:pPr algn="ctr"/>
+            <a:r>
+              <a:rPr lang="tr-TR" dirty="0" smtClean="0"/>
+              <a:t>Sünnet; </a:t>
+            </a:r>
+            <a:r>
+              <a:rPr lang="tr-TR" dirty="0"/>
+              <a:t>Hazreti Muhammet’in Müslümanlarca uyulması gerekli sayılan davranışlarıyla şu ya da bu konuda söylemiş olduğu sözlerin </a:t>
+            </a:r>
+            <a:r>
+              <a:rPr lang="tr-TR" dirty="0" smtClean="0"/>
+              <a:t>tümüne, </a:t>
+            </a:r>
+            <a:r>
+              <a:rPr lang="tr-TR" dirty="0"/>
+              <a:t>Hazreti Muhammet’in koyduğu kurallar ve Müslümanlara gösterdiği </a:t>
+            </a:r>
+            <a:r>
+              <a:rPr lang="tr-TR" dirty="0" smtClean="0"/>
+              <a:t>ilkelere denir.</a:t>
+            </a:r>
+          </a:p>
+          <a:p>
+            <a:pPr algn="ctr"/>
+            <a:r>
+              <a:rPr lang="tr-TR" dirty="0" smtClean="0"/>
+              <a:t>Sünnetin bir önemi de Kuran-ı Kerim’i daha detaylı anlatmasıdır.</a:t>
+            </a:r>
+          </a:p>
+          <a:p>
+            <a:pPr algn="ctr"/>
+            <a:r>
+              <a:rPr lang="tr-TR" dirty="0" smtClean="0"/>
+              <a:t>Hazreti Peygamber’in sünneti İmanın şartlarını daha detaylı ve anlaşılır kılar.</a:t>
+            </a:r>
+          </a:p>
+          <a:p>
+            <a:pPr algn="ctr"/>
+            <a:r>
+              <a:rPr lang="tr-TR" dirty="0" smtClean="0"/>
+              <a:t>Örneğin Kuran-ı Kerim bize namaz kılmamızı emrediyor, sünnet ise namazı kaç rekat kılacağımızı, nasıl kılacağımızı, hangi durumlarda farz olup olmadığını anlatıyor.</a:t>
+            </a:r>
+          </a:p>
+          <a:p>
+            <a:pPr algn="ctr"/>
+            <a:r>
+              <a:rPr lang="tr-TR" dirty="0" smtClean="0"/>
+              <a:t>İslam’ı kesin olarak anlamak için hadislere ve sünnetlere bakılır. </a:t>
+            </a:r>
+          </a:p>
+          <a:p>
+            <a:pPr algn="ctr"/>
+            <a:r>
+              <a:rPr lang="tr-TR" dirty="0"/>
+              <a:t>Peygamberimiz (sav)’in sünnetlerindeki en önemli özelliklerden biri, insanların kolayca uygulayabilmesidir. “Kolaylaştırınız, zorlaştırmayınız; müjdeleyiniz, nefret ettirmeyiniz” (Buhari sahih, ilim b,11,cihad 164) hadisi bunun en belirgin göstergesidir. İslami kaynaklara göre, Hz. Ayşe validemiz Peygamberimiz (sav)’in ashabına daima kolaylıkla üstesinden gelebilecekleri amelleri emrettiğini belirtmiştir. Bu yüzden Peygamber Efendimiz (sav)’in sünnetleri toplumun her kesiminden insanın örnek alabilmesine uygundur. </a:t>
+            </a:r>
+            <a:r>
+              <a:rPr lang="tr-TR"/>
+              <a:t>O’nun yaşantısı her mümin için bir örnektir.”</a:t>
+            </a:r>
+            <a:endParaRPr lang="tr-TR" dirty="0"/>
+          </a:p>
+        </p:txBody>
+      </p:sp>
+    </p:spTree>
+    <p:extLst>
+      <p:ext uri="{BB962C8B-B14F-4D97-AF65-F5344CB8AC3E}">
+        <p14:creationId xmlns:p14="http://schemas.microsoft.com/office/powerpoint/2010/main" val="3866846271"/>
+      </p:ext>
+    </p:extLst>
+  </p:cSld>
+  <p:clrMapOvr>
+    <a:masterClrMapping/>
+  </p:clrMapOvr>
+  <mc:AlternateContent xmlns:mc="http://schemas.openxmlformats.org/markup-compatibility/2006">
+    <mc:Choice xmlns:p14="http://schemas.microsoft.com/office/powerpoint/2010/main" Requires="p14">
+      <p:transition spd="slow" p14:dur="1500">
+        <p:split orient="vert"/>
+      </p:transition>
+    </mc:Choice>
+    <mc:Fallback>
+      <p:transition spd="slow">
+        <p:split orient="vert"/>
+      </p:transition>
+    </mc:Fallback>
+  </mc:AlternateContent>
+  <p:timing>
+    <p:tnLst>
+      <p:par>
+        <p:cTn id="1" dur="indefinite" restart="never" nodeType="tmRoot">
+          <p:childTnLst>
+            <p:seq concurrent="1" nextAc="seek">
+              <p:cTn id="2" dur="indefinite" nodeType="mainSeq">
+                <p:childTnLst>
+                  <p:par>
+                    <p:cTn id="3" fill="hold">
+                      <p:stCondLst>
+                        <p:cond delay="indefinite"/>
+                      </p:stCondLst>
+                      <p:childTnLst>
+                        <p:par>
+                          <p:cTn id="4" fill="hold">
+                            <p:stCondLst>
+                              <p:cond delay="0"/>
+                            </p:stCondLst>
+                            <p:childTnLst>
+                              <p:par>
+                                <p:cTn id="5" presetID="22" presetClass="entr" presetSubtype="4" fill="hold" grpId="0" nodeType="clickEffect">
+                                  <p:stCondLst>
+                                    <p:cond delay="0"/>
+                                  </p:stCondLst>
+                                  <p:childTnLst>
+                                    <p:set>
+                                      <p:cBhvr>
+                                        <p:cTn id="6" dur="1" fill="hold">
+                                          <p:stCondLst>
+                                            <p:cond delay="0"/>
+                                          </p:stCondLst>
+                                        </p:cTn>
+                                        <p:tgtEl>
+                                          <p:spTgt spid="3"/>
+                                        </p:tgtEl>
+                                        <p:attrNameLst>
+                                          <p:attrName>style.visibility</p:attrName>
+                                        </p:attrNameLst>
+                                      </p:cBhvr>
+                                      <p:to>
+                                        <p:strVal val="visible"/>
+                                      </p:to>
+                                    </p:set>
+                                    <p:animEffect transition="in" filter="wipe(down)">
+                                      <p:cBhvr>
+                                        <p:cTn id="7" dur="500"/>
+                                        <p:tgtEl>
+                                          <p:spTgt spid="3"/>
+                                        </p:tgtEl>
+                                      </p:cBhvr>
+                                    </p:animEffect>
+                                  </p:childTnLst>
+                                </p:cTn>
+                              </p:par>
+                            </p:childTnLst>
+                          </p:cTn>
+                        </p:par>
+                      </p:childTnLst>
+                    </p:cTn>
+                  </p:par>
+                </p:childTnLst>
+              </p:cTn>
+              <p:prevCondLst>
+                <p:cond evt="onPrev" delay="0">
+                  <p:tgtEl>
+                    <p:sldTgt/>
+                  </p:tgtEl>
+                </p:cond>
+              </p:prevCondLst>
+              <p:nextCondLst>
+                <p:cond evt="onNext" delay="0">
+                  <p:tgtEl>
+                    <p:sldTgt/>
+                  </p:tgtEl>
+                </p:cond>
+              </p:nextCondLst>
+            </p:seq>
+          </p:childTnLst>
+        </p:cTn>
+      </p:par>
+    </p:tnLst>
+    <p:bldLst>
+      <p:bldP spid="3" grpId="0" animBg="1"/>
+    </p:bldLst>
   </p:timing>
 </p:sld>
 </file>
